--- a/presentaciones/Modulo 7 Creando nuestra API REST .pptx
+++ b/presentaciones/Modulo 7 Creando nuestra API REST .pptx
@@ -13,7 +13,6 @@
     <p:sldId id="273" r:id="rId7"/>
     <p:sldId id="274" r:id="rId8"/>
     <p:sldId id="275" r:id="rId9"/>
-    <p:sldId id="288" r:id="rId10"/>
   </p:sldIdLst>
   <p:sldSz cx="12192000" cy="6858000"/>
   <p:notesSz cx="6858000" cy="9144000"/>
@@ -269,7 +268,7 @@
           <a:p>
             <a:fld id="{9947E4B7-F257-4C4C-887E-FAB8D4174B66}" type="datetimeFigureOut">
               <a:rPr lang="es-PE" smtClean="0"/>
-              <a:t>20/04/2025</a:t>
+              <a:t>2/05/2025</a:t>
             </a:fld>
             <a:endParaRPr lang="es-PE"/>
           </a:p>
@@ -684,7 +683,7 @@
           <a:p>
             <a:fld id="{9947E4B7-F257-4C4C-887E-FAB8D4174B66}" type="datetimeFigureOut">
               <a:rPr lang="es-PE" smtClean="0"/>
-              <a:t>20/04/2025</a:t>
+              <a:t>2/05/2025</a:t>
             </a:fld>
             <a:endParaRPr lang="es-PE"/>
           </a:p>
@@ -894,7 +893,7 @@
           <a:p>
             <a:fld id="{9947E4B7-F257-4C4C-887E-FAB8D4174B66}" type="datetimeFigureOut">
               <a:rPr lang="es-PE" smtClean="0"/>
-              <a:t>20/04/2025</a:t>
+              <a:t>2/05/2025</a:t>
             </a:fld>
             <a:endParaRPr lang="es-PE"/>
           </a:p>
@@ -1094,7 +1093,7 @@
           <a:p>
             <a:fld id="{9947E4B7-F257-4C4C-887E-FAB8D4174B66}" type="datetimeFigureOut">
               <a:rPr lang="es-PE" smtClean="0"/>
-              <a:t>20/04/2025</a:t>
+              <a:t>2/05/2025</a:t>
             </a:fld>
             <a:endParaRPr lang="es-PE"/>
           </a:p>
@@ -1585,7 +1584,7 @@
           <a:p>
             <a:fld id="{9947E4B7-F257-4C4C-887E-FAB8D4174B66}" type="datetimeFigureOut">
               <a:rPr lang="es-PE" smtClean="0"/>
-              <a:t>20/04/2025</a:t>
+              <a:t>2/05/2025</a:t>
             </a:fld>
             <a:endParaRPr lang="es-PE"/>
           </a:p>
@@ -2068,7 +2067,7 @@
           <a:p>
             <a:fld id="{9947E4B7-F257-4C4C-887E-FAB8D4174B66}" type="datetimeFigureOut">
               <a:rPr lang="es-PE" smtClean="0"/>
-              <a:t>20/04/2025</a:t>
+              <a:t>2/05/2025</a:t>
             </a:fld>
             <a:endParaRPr lang="es-PE"/>
           </a:p>
@@ -2483,7 +2482,7 @@
           <a:p>
             <a:fld id="{9947E4B7-F257-4C4C-887E-FAB8D4174B66}" type="datetimeFigureOut">
               <a:rPr lang="es-PE" smtClean="0"/>
-              <a:t>20/04/2025</a:t>
+              <a:t>2/05/2025</a:t>
             </a:fld>
             <a:endParaRPr lang="es-PE"/>
           </a:p>
@@ -2625,7 +2624,7 @@
           <a:p>
             <a:fld id="{9947E4B7-F257-4C4C-887E-FAB8D4174B66}" type="datetimeFigureOut">
               <a:rPr lang="es-PE" smtClean="0"/>
-              <a:t>20/04/2025</a:t>
+              <a:t>2/05/2025</a:t>
             </a:fld>
             <a:endParaRPr lang="es-PE"/>
           </a:p>
@@ -2738,7 +2737,7 @@
           <a:p>
             <a:fld id="{9947E4B7-F257-4C4C-887E-FAB8D4174B66}" type="datetimeFigureOut">
               <a:rPr lang="es-PE" smtClean="0"/>
-              <a:t>20/04/2025</a:t>
+              <a:t>2/05/2025</a:t>
             </a:fld>
             <a:endParaRPr lang="es-PE"/>
           </a:p>
@@ -3051,7 +3050,7 @@
           <a:p>
             <a:fld id="{9947E4B7-F257-4C4C-887E-FAB8D4174B66}" type="datetimeFigureOut">
               <a:rPr lang="es-PE" smtClean="0"/>
-              <a:t>20/04/2025</a:t>
+              <a:t>2/05/2025</a:t>
             </a:fld>
             <a:endParaRPr lang="es-PE"/>
           </a:p>
@@ -3344,7 +3343,7 @@
           <a:p>
             <a:fld id="{9947E4B7-F257-4C4C-887E-FAB8D4174B66}" type="datetimeFigureOut">
               <a:rPr lang="es-PE" smtClean="0"/>
-              <a:t>20/04/2025</a:t>
+              <a:t>2/05/2025</a:t>
             </a:fld>
             <a:endParaRPr lang="es-PE"/>
           </a:p>
@@ -3587,7 +3586,7 @@
           <a:p>
             <a:fld id="{9947E4B7-F257-4C4C-887E-FAB8D4174B66}" type="datetimeFigureOut">
               <a:rPr lang="es-PE" smtClean="0"/>
-              <a:t>20/04/2025</a:t>
+              <a:t>2/05/2025</a:t>
             </a:fld>
             <a:endParaRPr lang="es-PE"/>
           </a:p>
@@ -6261,130 +6260,6 @@
 </p:sld>
 </file>
 
-<file path=ppt/slides/slide9.xml><?xml version="1.0" encoding="utf-8"?>
-<p:sld xmlns:a="http://schemas.openxmlformats.org/drawingml/2006/main" xmlns:r="http://schemas.openxmlformats.org/officeDocument/2006/relationships" xmlns:p="http://schemas.openxmlformats.org/presentationml/2006/main">
-  <p:cSld>
-    <p:spTree>
-      <p:nvGrpSpPr>
-        <p:cNvPr id="1" name=""/>
-        <p:cNvGrpSpPr/>
-        <p:nvPr/>
-      </p:nvGrpSpPr>
-      <p:grpSpPr>
-        <a:xfrm>
-          <a:off x="0" y="0"/>
-          <a:ext cx="0" cy="0"/>
-          <a:chOff x="0" y="0"/>
-          <a:chExt cx="0" cy="0"/>
-        </a:xfrm>
-      </p:grpSpPr>
-      <p:sp>
-        <p:nvSpPr>
-          <p:cNvPr id="2" name="Título 1"/>
-          <p:cNvSpPr>
-            <a:spLocks noGrp="1"/>
-          </p:cNvSpPr>
-          <p:nvPr>
-            <p:ph type="title"/>
-          </p:nvPr>
-        </p:nvSpPr>
-        <p:spPr/>
-        <p:txBody>
-          <a:bodyPr/>
-          <a:lstStyle/>
-          <a:p>
-            <a:r>
-              <a:rPr lang="es-PE" dirty="0"/>
-              <a:t>Laboratorio</a:t>
-            </a:r>
-            <a:endParaRPr lang="en-US" dirty="0"/>
-          </a:p>
-        </p:txBody>
-      </p:sp>
-      <p:sp>
-        <p:nvSpPr>
-          <p:cNvPr id="3" name="Marcador de contenido 2"/>
-          <p:cNvSpPr>
-            <a:spLocks noGrp="1"/>
-          </p:cNvSpPr>
-          <p:nvPr>
-            <p:ph idx="1"/>
-          </p:nvPr>
-        </p:nvSpPr>
-        <p:spPr/>
-        <p:txBody>
-          <a:bodyPr/>
-          <a:lstStyle/>
-          <a:p>
-            <a:r>
-              <a:rPr lang="es-ES" dirty="0"/>
-              <a:t>Lab 3 Interacción entre Servicios con </a:t>
-            </a:r>
-            <a:r>
-              <a:rPr lang="es-ES" b="1" dirty="0"/>
-              <a:t>ResTemplate</a:t>
-            </a:r>
-            <a:r>
-              <a:rPr lang="es-PE" dirty="0"/>
-              <a:t>.</a:t>
-            </a:r>
-          </a:p>
-          <a:p>
-            <a:r>
-              <a:rPr lang="es-ES" dirty="0"/>
-              <a:t>Lab 4 Interacción entre Servicios con </a:t>
-            </a:r>
-            <a:r>
-              <a:rPr lang="es-ES" b="1" dirty="0"/>
-              <a:t>FeignClient</a:t>
-            </a:r>
-            <a:endParaRPr lang="es-PE" b="1" dirty="0"/>
-          </a:p>
-        </p:txBody>
-      </p:sp>
-      <p:pic>
-        <p:nvPicPr>
-          <p:cNvPr id="4" name="Imagen 3"/>
-          <p:cNvPicPr>
-            <a:picLocks noChangeAspect="1"/>
-          </p:cNvPicPr>
-          <p:nvPr/>
-        </p:nvPicPr>
-        <p:blipFill>
-          <a:blip r:embed="rId2" cstate="print">
-            <a:extLst>
-              <a:ext uri="{28A0092B-C50C-407E-A947-70E740481C1C}">
-                <a14:useLocalDpi xmlns:a14="http://schemas.microsoft.com/office/drawing/2010/main" val="0"/>
-              </a:ext>
-            </a:extLst>
-          </a:blip>
-          <a:stretch>
-            <a:fillRect/>
-          </a:stretch>
-        </p:blipFill>
-        <p:spPr>
-          <a:xfrm>
-            <a:off x="6792912" y="3690664"/>
-            <a:ext cx="4560888" cy="2590800"/>
-          </a:xfrm>
-          <a:prstGeom prst="rect">
-            <a:avLst/>
-          </a:prstGeom>
-        </p:spPr>
-      </p:pic>
-    </p:spTree>
-    <p:extLst>
-      <p:ext uri="{BB962C8B-B14F-4D97-AF65-F5344CB8AC3E}">
-        <p14:creationId xmlns:p14="http://schemas.microsoft.com/office/powerpoint/2010/main" val="408432085"/>
-      </p:ext>
-    </p:extLst>
-  </p:cSld>
-  <p:clrMapOvr>
-    <a:masterClrMapping/>
-  </p:clrMapOvr>
-</p:sld>
-</file>
-
 <file path=ppt/theme/theme1.xml><?xml version="1.0" encoding="utf-8"?>
 <a:theme xmlns:a="http://schemas.openxmlformats.org/drawingml/2006/main" name="Tema de Office">
   <a:themeElements>

--- a/presentaciones/Modulo 7 Creando nuestra API REST .pptx
+++ b/presentaciones/Modulo 7 Creando nuestra API REST .pptx
@@ -268,7 +268,7 @@
           <a:p>
             <a:fld id="{9947E4B7-F257-4C4C-887E-FAB8D4174B66}" type="datetimeFigureOut">
               <a:rPr lang="es-PE" smtClean="0"/>
-              <a:t>2/05/2025</a:t>
+              <a:t>6/05/2025</a:t>
             </a:fld>
             <a:endParaRPr lang="es-PE"/>
           </a:p>
@@ -683,7 +683,7 @@
           <a:p>
             <a:fld id="{9947E4B7-F257-4C4C-887E-FAB8D4174B66}" type="datetimeFigureOut">
               <a:rPr lang="es-PE" smtClean="0"/>
-              <a:t>2/05/2025</a:t>
+              <a:t>6/05/2025</a:t>
             </a:fld>
             <a:endParaRPr lang="es-PE"/>
           </a:p>
@@ -893,7 +893,7 @@
           <a:p>
             <a:fld id="{9947E4B7-F257-4C4C-887E-FAB8D4174B66}" type="datetimeFigureOut">
               <a:rPr lang="es-PE" smtClean="0"/>
-              <a:t>2/05/2025</a:t>
+              <a:t>6/05/2025</a:t>
             </a:fld>
             <a:endParaRPr lang="es-PE"/>
           </a:p>
@@ -1093,7 +1093,7 @@
           <a:p>
             <a:fld id="{9947E4B7-F257-4C4C-887E-FAB8D4174B66}" type="datetimeFigureOut">
               <a:rPr lang="es-PE" smtClean="0"/>
-              <a:t>2/05/2025</a:t>
+              <a:t>6/05/2025</a:t>
             </a:fld>
             <a:endParaRPr lang="es-PE"/>
           </a:p>
@@ -1584,7 +1584,7 @@
           <a:p>
             <a:fld id="{9947E4B7-F257-4C4C-887E-FAB8D4174B66}" type="datetimeFigureOut">
               <a:rPr lang="es-PE" smtClean="0"/>
-              <a:t>2/05/2025</a:t>
+              <a:t>6/05/2025</a:t>
             </a:fld>
             <a:endParaRPr lang="es-PE"/>
           </a:p>
@@ -2067,7 +2067,7 @@
           <a:p>
             <a:fld id="{9947E4B7-F257-4C4C-887E-FAB8D4174B66}" type="datetimeFigureOut">
               <a:rPr lang="es-PE" smtClean="0"/>
-              <a:t>2/05/2025</a:t>
+              <a:t>6/05/2025</a:t>
             </a:fld>
             <a:endParaRPr lang="es-PE"/>
           </a:p>
@@ -2482,7 +2482,7 @@
           <a:p>
             <a:fld id="{9947E4B7-F257-4C4C-887E-FAB8D4174B66}" type="datetimeFigureOut">
               <a:rPr lang="es-PE" smtClean="0"/>
-              <a:t>2/05/2025</a:t>
+              <a:t>6/05/2025</a:t>
             </a:fld>
             <a:endParaRPr lang="es-PE"/>
           </a:p>
@@ -2624,7 +2624,7 @@
           <a:p>
             <a:fld id="{9947E4B7-F257-4C4C-887E-FAB8D4174B66}" type="datetimeFigureOut">
               <a:rPr lang="es-PE" smtClean="0"/>
-              <a:t>2/05/2025</a:t>
+              <a:t>6/05/2025</a:t>
             </a:fld>
             <a:endParaRPr lang="es-PE"/>
           </a:p>
@@ -2737,7 +2737,7 @@
           <a:p>
             <a:fld id="{9947E4B7-F257-4C4C-887E-FAB8D4174B66}" type="datetimeFigureOut">
               <a:rPr lang="es-PE" smtClean="0"/>
-              <a:t>2/05/2025</a:t>
+              <a:t>6/05/2025</a:t>
             </a:fld>
             <a:endParaRPr lang="es-PE"/>
           </a:p>
@@ -3050,7 +3050,7 @@
           <a:p>
             <a:fld id="{9947E4B7-F257-4C4C-887E-FAB8D4174B66}" type="datetimeFigureOut">
               <a:rPr lang="es-PE" smtClean="0"/>
-              <a:t>2/05/2025</a:t>
+              <a:t>6/05/2025</a:t>
             </a:fld>
             <a:endParaRPr lang="es-PE"/>
           </a:p>
@@ -3343,7 +3343,7 @@
           <a:p>
             <a:fld id="{9947E4B7-F257-4C4C-887E-FAB8D4174B66}" type="datetimeFigureOut">
               <a:rPr lang="es-PE" smtClean="0"/>
-              <a:t>2/05/2025</a:t>
+              <a:t>6/05/2025</a:t>
             </a:fld>
             <a:endParaRPr lang="es-PE"/>
           </a:p>
@@ -3586,7 +3586,7 @@
           <a:p>
             <a:fld id="{9947E4B7-F257-4C4C-887E-FAB8D4174B66}" type="datetimeFigureOut">
               <a:rPr lang="es-PE" smtClean="0"/>
-              <a:t>2/05/2025</a:t>
+              <a:t>6/05/2025</a:t>
             </a:fld>
             <a:endParaRPr lang="es-PE"/>
           </a:p>
@@ -5975,7 +5975,15 @@
             </a:pPr>
             <a:r>
               <a:rPr lang="es-ES" dirty="0"/>
-              <a:t>Usa @RestController.</a:t>
+              <a:t>Usa </a:t>
+            </a:r>
+            <a:r>
+              <a:rPr lang="es-ES" b="1" dirty="0"/>
+              <a:t>@RestController</a:t>
+            </a:r>
+            <a:r>
+              <a:rPr lang="es-ES" dirty="0"/>
+              <a:t>.</a:t>
             </a:r>
           </a:p>
           <a:p>
@@ -6015,7 +6023,11 @@
             </a:pPr>
             <a:r>
               <a:rPr lang="es-ES" dirty="0"/>
-              <a:t>Usa @Service</a:t>
+              <a:t>Usa </a:t>
+            </a:r>
+            <a:r>
+              <a:rPr lang="es-ES" b="1" dirty="0"/>
+              <a:t>@Service</a:t>
             </a:r>
           </a:p>
           <a:p>
@@ -6055,7 +6067,15 @@
             </a:pPr>
             <a:r>
               <a:rPr lang="es-ES" dirty="0"/>
-              <a:t>Usa JpaRepository u otro DAO.</a:t>
+              <a:t>Usa </a:t>
+            </a:r>
+            <a:r>
+              <a:rPr lang="es-ES" b="1" dirty="0"/>
+              <a:t>JpaRepository</a:t>
+            </a:r>
+            <a:r>
+              <a:rPr lang="es-ES" dirty="0"/>
+              <a:t> u otro DAO.</a:t>
             </a:r>
             <a:endParaRPr lang="es-PE" dirty="0"/>
           </a:p>
@@ -6148,7 +6168,15 @@
             </a:pPr>
             <a:r>
               <a:rPr lang="es-ES" dirty="0"/>
-              <a:t>📦 Versionado: /api/v1/usuarios</a:t>
+              <a:t>📦 Versionado: </a:t>
+            </a:r>
+            <a:r>
+              <a:rPr lang="es-ES" b="1" dirty="0"/>
+              <a:t>/api/v1</a:t>
+            </a:r>
+            <a:r>
+              <a:rPr lang="es-ES" dirty="0"/>
+              <a:t>/usuarios</a:t>
             </a:r>
           </a:p>
           <a:p>
@@ -6163,13 +6191,20 @@
             </a:pPr>
             <a:r>
               <a:rPr lang="es-ES" dirty="0"/>
-              <a:t>🧩 Validaciones: con @Valid y </a:t>
-            </a:r>
-            <a:r>
-              <a:rPr lang="es-ES" dirty="0" err="1"/>
+              <a:t>🧩 Validaciones: con </a:t>
+            </a:r>
+            <a:r>
+              <a:rPr lang="es-ES" b="1" dirty="0"/>
+              <a:t>@Valid </a:t>
+            </a:r>
+            <a:r>
+              <a:rPr lang="es-ES" dirty="0"/>
+              <a:t>y @</a:t>
+            </a:r>
+            <a:r>
+              <a:rPr lang="es-ES" b="1" dirty="0"/>
               <a:t>BindingResult</a:t>
             </a:r>
-            <a:endParaRPr lang="es-ES" dirty="0"/>
           </a:p>
           <a:p>
             <a:pPr marL="0" indent="0">
@@ -6183,7 +6218,23 @@
             </a:pPr>
             <a:r>
               <a:rPr lang="es-ES" dirty="0"/>
-              <a:t>🔐 Seguridad: con JWT, OAuth2, etc.</a:t>
+              <a:t>🔐 Seguridad: con </a:t>
+            </a:r>
+            <a:r>
+              <a:rPr lang="es-ES" b="1" dirty="0"/>
+              <a:t>JWT</a:t>
+            </a:r>
+            <a:r>
+              <a:rPr lang="es-ES" dirty="0"/>
+              <a:t>, </a:t>
+            </a:r>
+            <a:r>
+              <a:rPr lang="es-ES" b="1" dirty="0"/>
+              <a:t>OAuth2</a:t>
+            </a:r>
+            <a:r>
+              <a:rPr lang="es-ES" dirty="0"/>
+              <a:t>, etc.</a:t>
             </a:r>
           </a:p>
           <a:p>
@@ -6198,7 +6249,11 @@
             </a:pPr>
             <a:r>
               <a:rPr lang="es-ES" dirty="0"/>
-              <a:t>🔁 Manejo de errores global: @ControllerAdvice</a:t>
+              <a:t>🔁 Manejo de errores global: </a:t>
+            </a:r>
+            <a:r>
+              <a:rPr lang="es-ES" b="1" dirty="0"/>
+              <a:t>@ControllerAdvice</a:t>
             </a:r>
           </a:p>
           <a:p>
@@ -6213,13 +6268,21 @@
             </a:pPr>
             <a:r>
               <a:rPr lang="es-ES" dirty="0"/>
-              <a:t>📄 Documentación con Swagger / </a:t>
-            </a:r>
-            <a:r>
-              <a:rPr lang="es-ES" dirty="0" err="1"/>
+              <a:t>📄 Documentación con </a:t>
+            </a:r>
+            <a:r>
+              <a:rPr lang="es-ES" b="1" dirty="0"/>
+              <a:t>Swagger</a:t>
+            </a:r>
+            <a:r>
+              <a:rPr lang="es-ES" dirty="0"/>
+              <a:t>/</a:t>
+            </a:r>
+            <a:r>
+              <a:rPr lang="es-ES" b="1" dirty="0" err="1"/>
               <a:t>OpenAPI</a:t>
             </a:r>
-            <a:endParaRPr lang="es-ES" dirty="0"/>
+            <a:endParaRPr lang="es-ES" b="1" dirty="0"/>
           </a:p>
           <a:p>
             <a:pPr marL="0" indent="0">
@@ -6233,17 +6296,21 @@
             </a:pPr>
             <a:r>
               <a:rPr lang="es-ES" dirty="0"/>
-              <a:t>🧪 </a:t>
-            </a:r>
-            <a:r>
-              <a:rPr lang="es-ES" dirty="0" err="1"/>
-              <a:t>Tests</a:t>
+              <a:t>🧪 Tests: </a:t>
+            </a:r>
+            <a:r>
+              <a:rPr lang="es-ES" b="1" dirty="0"/>
+              <a:t>unitarios</a:t>
             </a:r>
             <a:r>
               <a:rPr lang="es-ES" dirty="0"/>
-              <a:t>: unitarios y de integración</a:t>
-            </a:r>
-            <a:endParaRPr lang="es-PE" dirty="0"/>
+              <a:t> y de </a:t>
+            </a:r>
+            <a:r>
+              <a:rPr lang="es-ES" b="1" dirty="0"/>
+              <a:t>integración</a:t>
+            </a:r>
+            <a:endParaRPr lang="es-PE" b="1" dirty="0"/>
           </a:p>
         </p:txBody>
       </p:sp>
